--- a/images/record/Kubernetes_Install_Ubuntu18.04/Kubernetes_Install.pptx
+++ b/images/record/Kubernetes_Install_Ubuntu18.04/Kubernetes_Install.pptx
@@ -213,7 +213,7 @@
           <a:p>
             <a:fld id="{6CD5550B-26C4-49A9-A5BA-636EF7BE6CE9}" type="datetimeFigureOut">
               <a:rPr lang="ko-KR" altLang="en-US" smtClean="0"/>
-              <a:t>2018-07-15</a:t>
+              <a:t>2018-07-24</a:t>
             </a:fld>
             <a:endParaRPr lang="ko-KR" altLang="en-US"/>
           </a:p>
@@ -743,7 +743,7 @@
           <a:p>
             <a:fld id="{FB30EDBD-1C2D-4C1E-B459-B60219FAB484}" type="datetimeFigureOut">
               <a:rPr lang="ko-KR" altLang="en-US" smtClean="0"/>
-              <a:t>2018-07-15</a:t>
+              <a:t>2018-07-24</a:t>
             </a:fld>
             <a:endParaRPr lang="ko-KR" altLang="en-US"/>
           </a:p>
@@ -906,7 +906,7 @@
           <a:p>
             <a:fld id="{FB30EDBD-1C2D-4C1E-B459-B60219FAB484}" type="datetimeFigureOut">
               <a:rPr lang="ko-KR" altLang="en-US" smtClean="0"/>
-              <a:t>2018-07-15</a:t>
+              <a:t>2018-07-24</a:t>
             </a:fld>
             <a:endParaRPr lang="ko-KR" altLang="en-US"/>
           </a:p>
@@ -1079,7 +1079,7 @@
           <a:p>
             <a:fld id="{FB30EDBD-1C2D-4C1E-B459-B60219FAB484}" type="datetimeFigureOut">
               <a:rPr lang="ko-KR" altLang="en-US" smtClean="0"/>
-              <a:t>2018-07-15</a:t>
+              <a:t>2018-07-24</a:t>
             </a:fld>
             <a:endParaRPr lang="ko-KR" altLang="en-US"/>
           </a:p>
@@ -1242,7 +1242,7 @@
           <a:p>
             <a:fld id="{FB30EDBD-1C2D-4C1E-B459-B60219FAB484}" type="datetimeFigureOut">
               <a:rPr lang="ko-KR" altLang="en-US" smtClean="0"/>
-              <a:t>2018-07-15</a:t>
+              <a:t>2018-07-24</a:t>
             </a:fld>
             <a:endParaRPr lang="ko-KR" altLang="en-US"/>
           </a:p>
@@ -1482,7 +1482,7 @@
           <a:p>
             <a:fld id="{FB30EDBD-1C2D-4C1E-B459-B60219FAB484}" type="datetimeFigureOut">
               <a:rPr lang="ko-KR" altLang="en-US" smtClean="0"/>
-              <a:t>2018-07-15</a:t>
+              <a:t>2018-07-24</a:t>
             </a:fld>
             <a:endParaRPr lang="ko-KR" altLang="en-US"/>
           </a:p>
@@ -1762,7 +1762,7 @@
           <a:p>
             <a:fld id="{FB30EDBD-1C2D-4C1E-B459-B60219FAB484}" type="datetimeFigureOut">
               <a:rPr lang="ko-KR" altLang="en-US" smtClean="0"/>
-              <a:t>2018-07-15</a:t>
+              <a:t>2018-07-24</a:t>
             </a:fld>
             <a:endParaRPr lang="ko-KR" altLang="en-US"/>
           </a:p>
@@ -2176,7 +2176,7 @@
           <a:p>
             <a:fld id="{FB30EDBD-1C2D-4C1E-B459-B60219FAB484}" type="datetimeFigureOut">
               <a:rPr lang="ko-KR" altLang="en-US" smtClean="0"/>
-              <a:t>2018-07-15</a:t>
+              <a:t>2018-07-24</a:t>
             </a:fld>
             <a:endParaRPr lang="ko-KR" altLang="en-US"/>
           </a:p>
@@ -2288,7 +2288,7 @@
           <a:p>
             <a:fld id="{FB30EDBD-1C2D-4C1E-B459-B60219FAB484}" type="datetimeFigureOut">
               <a:rPr lang="ko-KR" altLang="en-US" smtClean="0"/>
-              <a:t>2018-07-15</a:t>
+              <a:t>2018-07-24</a:t>
             </a:fld>
             <a:endParaRPr lang="ko-KR" altLang="en-US"/>
           </a:p>
@@ -2378,7 +2378,7 @@
           <a:p>
             <a:fld id="{FB30EDBD-1C2D-4C1E-B459-B60219FAB484}" type="datetimeFigureOut">
               <a:rPr lang="ko-KR" altLang="en-US" smtClean="0"/>
-              <a:t>2018-07-15</a:t>
+              <a:t>2018-07-24</a:t>
             </a:fld>
             <a:endParaRPr lang="ko-KR" altLang="en-US"/>
           </a:p>
@@ -2648,7 +2648,7 @@
           <a:p>
             <a:fld id="{FB30EDBD-1C2D-4C1E-B459-B60219FAB484}" type="datetimeFigureOut">
               <a:rPr lang="ko-KR" altLang="en-US" smtClean="0"/>
-              <a:t>2018-07-15</a:t>
+              <a:t>2018-07-24</a:t>
             </a:fld>
             <a:endParaRPr lang="ko-KR" altLang="en-US"/>
           </a:p>
@@ -2895,7 +2895,7 @@
           <a:p>
             <a:fld id="{FB30EDBD-1C2D-4C1E-B459-B60219FAB484}" type="datetimeFigureOut">
               <a:rPr lang="ko-KR" altLang="en-US" smtClean="0"/>
-              <a:t>2018-07-15</a:t>
+              <a:t>2018-07-24</a:t>
             </a:fld>
             <a:endParaRPr lang="ko-KR" altLang="en-US"/>
           </a:p>
@@ -3101,7 +3101,7 @@
           <a:p>
             <a:fld id="{FB30EDBD-1C2D-4C1E-B459-B60219FAB484}" type="datetimeFigureOut">
               <a:rPr lang="ko-KR" altLang="en-US" smtClean="0"/>
-              <a:t>2018-07-15</a:t>
+              <a:t>2018-07-24</a:t>
             </a:fld>
             <a:endParaRPr lang="ko-KR" altLang="en-US"/>
           </a:p>
@@ -3509,7 +3509,7 @@
         </p:nvSpPr>
         <p:spPr>
           <a:xfrm>
-            <a:off x="1691680" y="1167594"/>
+            <a:off x="107504" y="1167594"/>
             <a:ext cx="2880320" cy="1728192"/>
           </a:xfrm>
           <a:prstGeom prst="roundRect">
@@ -3577,7 +3577,7 @@
         </p:nvSpPr>
         <p:spPr>
           <a:xfrm>
-            <a:off x="1763688" y="2319722"/>
+            <a:off x="179512" y="2319722"/>
             <a:ext cx="1328914" cy="504056"/>
           </a:xfrm>
           <a:prstGeom prst="roundRect">
@@ -3634,7 +3634,7 @@
         </p:nvSpPr>
         <p:spPr>
           <a:xfrm>
-            <a:off x="3179370" y="2319722"/>
+            <a:off x="1595194" y="2319722"/>
             <a:ext cx="1320622" cy="504056"/>
           </a:xfrm>
           <a:prstGeom prst="roundRect">
@@ -3691,7 +3691,7 @@
         </p:nvSpPr>
         <p:spPr>
           <a:xfrm>
-            <a:off x="2467383" y="1860978"/>
+            <a:off x="883207" y="1860978"/>
             <a:ext cx="1328914" cy="360040"/>
           </a:xfrm>
           <a:prstGeom prst="roundRect">
@@ -3756,7 +3756,7 @@
         </p:nvSpPr>
         <p:spPr>
           <a:xfrm>
-            <a:off x="4716016" y="1167594"/>
+            <a:off x="3131840" y="1167594"/>
             <a:ext cx="2880320" cy="1728192"/>
           </a:xfrm>
           <a:prstGeom prst="roundRect">
@@ -3787,7 +3787,7 @@
             <a:pPr algn="ctr"/>
             <a:r>
               <a:rPr lang="en-US" altLang="ko-KR" sz="1600" b="1"/>
-              <a:t>Worker Node</a:t>
+              <a:t>Worker Node 01</a:t>
             </a:r>
             <a:endParaRPr lang="en-US" altLang="ko-KR" sz="1600" b="1" dirty="0"/>
           </a:p>
@@ -3825,7 +3825,7 @@
         </p:nvSpPr>
         <p:spPr>
           <a:xfrm>
-            <a:off x="4788024" y="2319722"/>
+            <a:off x="3203848" y="2319722"/>
             <a:ext cx="1328914" cy="504056"/>
           </a:xfrm>
           <a:prstGeom prst="roundRect">
@@ -3882,7 +3882,7 @@
         </p:nvSpPr>
         <p:spPr>
           <a:xfrm>
-            <a:off x="5491719" y="1860978"/>
+            <a:off x="3907543" y="1860978"/>
             <a:ext cx="1328914" cy="360040"/>
           </a:xfrm>
           <a:prstGeom prst="roundRect">
@@ -3947,7 +3947,7 @@
         </p:nvSpPr>
         <p:spPr>
           <a:xfrm>
-            <a:off x="2339751" y="3471850"/>
+            <a:off x="755575" y="3471850"/>
             <a:ext cx="1584178" cy="504056"/>
           </a:xfrm>
           <a:prstGeom prst="roundRect">
@@ -3998,7 +3998,7 @@
         </p:nvSpPr>
         <p:spPr>
           <a:xfrm>
-            <a:off x="5364088" y="3471850"/>
+            <a:off x="3779912" y="3471850"/>
             <a:ext cx="1584176" cy="504056"/>
           </a:xfrm>
           <a:prstGeom prst="roundRect">
@@ -4053,7 +4053,7 @@
         </p:nvCxnSpPr>
         <p:spPr>
           <a:xfrm>
-            <a:off x="2428145" y="2823778"/>
+            <a:off x="843969" y="2823778"/>
             <a:ext cx="703695" cy="648072"/>
           </a:xfrm>
           <a:prstGeom prst="line">
@@ -4091,7 +4091,7 @@
         </p:nvCxnSpPr>
         <p:spPr>
           <a:xfrm flipH="1">
-            <a:off x="3131840" y="2823778"/>
+            <a:off x="1547664" y="2823778"/>
             <a:ext cx="2320641" cy="648072"/>
           </a:xfrm>
           <a:prstGeom prst="line">
@@ -4129,7 +4129,7 @@
         </p:nvCxnSpPr>
         <p:spPr>
           <a:xfrm flipH="1">
-            <a:off x="3923929" y="3723878"/>
+            <a:off x="2339753" y="3723878"/>
             <a:ext cx="1440159" cy="0"/>
           </a:xfrm>
           <a:prstGeom prst="line">
@@ -4166,7 +4166,7 @@
         </p:nvCxnSpPr>
         <p:spPr>
           <a:xfrm flipV="1">
-            <a:off x="6152030" y="3975906"/>
+            <a:off x="4567854" y="3975906"/>
             <a:ext cx="4146" cy="324036"/>
           </a:xfrm>
           <a:prstGeom prst="line">
@@ -4204,8 +4204,262 @@
         </p:nvCxnSpPr>
         <p:spPr>
           <a:xfrm flipH="1" flipV="1">
-            <a:off x="3839681" y="2823778"/>
+            <a:off x="2255505" y="2823778"/>
             <a:ext cx="2316495" cy="648072"/>
+          </a:xfrm>
+          <a:prstGeom prst="line">
+            <a:avLst/>
+          </a:prstGeom>
+          <a:ln w="28575">
+            <a:solidFill>
+              <a:schemeClr val="tx1"/>
+            </a:solidFill>
+          </a:ln>
+        </p:spPr>
+        <p:style>
+          <a:lnRef idx="1">
+            <a:schemeClr val="accent1"/>
+          </a:lnRef>
+          <a:fillRef idx="0">
+            <a:schemeClr val="accent1"/>
+          </a:fillRef>
+          <a:effectRef idx="0">
+            <a:schemeClr val="accent1"/>
+          </a:effectRef>
+          <a:fontRef idx="minor">
+            <a:schemeClr val="tx1"/>
+          </a:fontRef>
+        </p:style>
+      </p:cxnSp>
+      <p:sp>
+        <p:nvSpPr>
+          <p:cNvPr id="18" name="모서리가 둥근 직사각형 35">
+            <a:extLst>
+              <a:ext uri="{FF2B5EF4-FFF2-40B4-BE49-F238E27FC236}">
+                <a16:creationId xmlns:a16="http://schemas.microsoft.com/office/drawing/2014/main" id="{BC72CE79-A236-4958-97DC-5A7A6D0D85E6}"/>
+              </a:ext>
+            </a:extLst>
+          </p:cNvPr>
+          <p:cNvSpPr/>
+          <p:nvPr/>
+        </p:nvSpPr>
+        <p:spPr>
+          <a:xfrm>
+            <a:off x="6156176" y="1167594"/>
+            <a:ext cx="2880320" cy="1728192"/>
+          </a:xfrm>
+          <a:prstGeom prst="roundRect">
+            <a:avLst>
+              <a:gd name="adj" fmla="val 6281"/>
+            </a:avLst>
+          </a:prstGeom>
+          <a:noFill/>
+        </p:spPr>
+        <p:style>
+          <a:lnRef idx="2">
+            <a:schemeClr val="dk1"/>
+          </a:lnRef>
+          <a:fillRef idx="1">
+            <a:schemeClr val="lt1"/>
+          </a:fillRef>
+          <a:effectRef idx="0">
+            <a:schemeClr val="dk1"/>
+          </a:effectRef>
+          <a:fontRef idx="minor">
+            <a:schemeClr val="dk1"/>
+          </a:fontRef>
+        </p:style>
+        <p:txBody>
+          <a:bodyPr rtlCol="0" anchor="t"/>
+          <a:lstStyle/>
+          <a:p>
+            <a:pPr algn="ctr"/>
+            <a:r>
+              <a:rPr lang="en-US" altLang="ko-KR" sz="1600" b="1"/>
+              <a:t>Worker Node 02</a:t>
+            </a:r>
+            <a:endParaRPr lang="en-US" altLang="ko-KR" sz="1600" b="1" dirty="0"/>
+          </a:p>
+          <a:p>
+            <a:pPr algn="ctr"/>
+            <a:r>
+              <a:rPr lang="en-US" altLang="ko-KR" sz="1600" b="1" dirty="0"/>
+              <a:t>(</a:t>
+            </a:r>
+            <a:r>
+              <a:rPr lang="en-US" altLang="ko-KR" sz="1600" b="1" dirty="0" err="1"/>
+              <a:t>4vCPU</a:t>
+            </a:r>
+            <a:r>
+              <a:rPr lang="en-US" altLang="ko-KR" sz="1600" b="1" dirty="0"/>
+              <a:t>, </a:t>
+            </a:r>
+            <a:r>
+              <a:rPr lang="en-US" altLang="ko-KR" sz="1600" b="1" dirty="0" err="1"/>
+              <a:t>4096M</a:t>
+            </a:r>
+            <a:r>
+              <a:rPr lang="en-US" altLang="ko-KR" sz="1600" b="1" dirty="0"/>
+              <a:t>)</a:t>
+            </a:r>
+            <a:endParaRPr lang="ko-KR" altLang="en-US" sz="1400" dirty="0"/>
+          </a:p>
+        </p:txBody>
+      </p:sp>
+      <p:sp>
+        <p:nvSpPr>
+          <p:cNvPr id="20" name="모서리가 둥근 직사각형 37">
+            <a:extLst>
+              <a:ext uri="{FF2B5EF4-FFF2-40B4-BE49-F238E27FC236}">
+                <a16:creationId xmlns:a16="http://schemas.microsoft.com/office/drawing/2014/main" id="{55B9F3B9-19CC-45AC-A738-4E3B6FEA2FA3}"/>
+              </a:ext>
+            </a:extLst>
+          </p:cNvPr>
+          <p:cNvSpPr/>
+          <p:nvPr/>
+        </p:nvSpPr>
+        <p:spPr>
+          <a:xfrm>
+            <a:off x="6228184" y="2319722"/>
+            <a:ext cx="1328914" cy="504056"/>
+          </a:xfrm>
+          <a:prstGeom prst="roundRect">
+            <a:avLst>
+              <a:gd name="adj" fmla="val 11578"/>
+            </a:avLst>
+          </a:prstGeom>
+          <a:noFill/>
+        </p:spPr>
+        <p:style>
+          <a:lnRef idx="2">
+            <a:schemeClr val="dk1"/>
+          </a:lnRef>
+          <a:fillRef idx="1">
+            <a:schemeClr val="lt1"/>
+          </a:fillRef>
+          <a:effectRef idx="0">
+            <a:schemeClr val="dk1"/>
+          </a:effectRef>
+          <a:fontRef idx="minor">
+            <a:schemeClr val="dk1"/>
+          </a:fontRef>
+        </p:style>
+        <p:txBody>
+          <a:bodyPr rtlCol="0" anchor="t"/>
+          <a:lstStyle/>
+          <a:p>
+            <a:pPr algn="ctr"/>
+            <a:r>
+              <a:rPr lang="en-US" altLang="ko-KR" sz="1200" dirty="0" err="1"/>
+              <a:t>enp0s3</a:t>
+            </a:r>
+            <a:endParaRPr lang="en-US" altLang="ko-KR" sz="1200" dirty="0"/>
+          </a:p>
+          <a:p>
+            <a:pPr algn="ctr"/>
+            <a:r>
+              <a:rPr lang="en-US" altLang="ko-KR" sz="1200"/>
+              <a:t>10.0.0.20</a:t>
+            </a:r>
+            <a:endParaRPr lang="en-US" altLang="ko-KR" sz="1200" dirty="0"/>
+          </a:p>
+          <a:p>
+            <a:pPr algn="ctr"/>
+            <a:endParaRPr lang="ko-KR" altLang="en-US" sz="1100" dirty="0"/>
+          </a:p>
+        </p:txBody>
+      </p:sp>
+      <p:sp>
+        <p:nvSpPr>
+          <p:cNvPr id="21" name="모서리가 둥근 직사각형 39">
+            <a:extLst>
+              <a:ext uri="{FF2B5EF4-FFF2-40B4-BE49-F238E27FC236}">
+                <a16:creationId xmlns:a16="http://schemas.microsoft.com/office/drawing/2014/main" id="{A018EF44-DEA8-4D8A-A247-93390C28F73E}"/>
+              </a:ext>
+            </a:extLst>
+          </p:cNvPr>
+          <p:cNvSpPr/>
+          <p:nvPr/>
+        </p:nvSpPr>
+        <p:spPr>
+          <a:xfrm>
+            <a:off x="6931879" y="1860978"/>
+            <a:ext cx="1328914" cy="360040"/>
+          </a:xfrm>
+          <a:prstGeom prst="roundRect">
+            <a:avLst>
+              <a:gd name="adj" fmla="val 11578"/>
+            </a:avLst>
+          </a:prstGeom>
+          <a:noFill/>
+        </p:spPr>
+        <p:style>
+          <a:lnRef idx="2">
+            <a:schemeClr val="dk1"/>
+          </a:lnRef>
+          <a:fillRef idx="1">
+            <a:schemeClr val="lt1"/>
+          </a:fillRef>
+          <a:effectRef idx="0">
+            <a:schemeClr val="dk1"/>
+          </a:effectRef>
+          <a:fontRef idx="minor">
+            <a:schemeClr val="dk1"/>
+          </a:fontRef>
+        </p:style>
+        <p:txBody>
+          <a:bodyPr rtlCol="0" anchor="ctr"/>
+          <a:lstStyle/>
+          <a:p>
+            <a:pPr algn="ctr"/>
+            <a:r>
+              <a:rPr lang="en-US" altLang="ko-KR" sz="1200" dirty="0"/>
+              <a:t>/</a:t>
+            </a:r>
+            <a:r>
+              <a:rPr lang="en-US" altLang="ko-KR" sz="1200" dirty="0" err="1"/>
+              <a:t>dev</a:t>
+            </a:r>
+            <a:r>
+              <a:rPr lang="en-US" altLang="ko-KR" sz="1200" dirty="0"/>
+              <a:t>/</a:t>
+            </a:r>
+            <a:r>
+              <a:rPr lang="en-US" altLang="ko-KR" sz="1200" dirty="0" err="1"/>
+              <a:t>sda</a:t>
+            </a:r>
+            <a:r>
+              <a:rPr lang="en-US" altLang="ko-KR" sz="1200" dirty="0"/>
+              <a:t> </a:t>
+            </a:r>
+            <a:r>
+              <a:rPr lang="en-US" altLang="ko-KR" sz="1200" dirty="0" err="1"/>
+              <a:t>30G</a:t>
+            </a:r>
+            <a:endParaRPr lang="en-US" altLang="ko-KR" sz="1200" dirty="0"/>
+          </a:p>
+        </p:txBody>
+      </p:sp>
+      <p:cxnSp>
+        <p:nvCxnSpPr>
+          <p:cNvPr id="22" name="직선 연결선 21">
+            <a:extLst>
+              <a:ext uri="{FF2B5EF4-FFF2-40B4-BE49-F238E27FC236}">
+                <a16:creationId xmlns:a16="http://schemas.microsoft.com/office/drawing/2014/main" id="{35A4B81C-C930-4514-B2A2-3B407E93F1FD}"/>
+              </a:ext>
+            </a:extLst>
+          </p:cNvPr>
+          <p:cNvCxnSpPr>
+            <a:cxnSpLocks/>
+            <a:stCxn id="20" idx="2"/>
+            <a:endCxn id="47" idx="0"/>
+          </p:cNvCxnSpPr>
+          <p:nvPr/>
+        </p:nvCxnSpPr>
+        <p:spPr>
+          <a:xfrm flipH="1">
+            <a:off x="1547664" y="2823778"/>
+            <a:ext cx="5344977" cy="648072"/>
           </a:xfrm>
           <a:prstGeom prst="line">
             <a:avLst/>
